--- a/presentation_gruppe2+3.pptx
+++ b/presentation_gruppe2+3.pptx
@@ -8,9 +8,9 @@
     <p:sldId id="256" r:id="rId2"/>
     <p:sldId id="257" r:id="rId3"/>
     <p:sldId id="258" r:id="rId4"/>
-    <p:sldId id="259" r:id="rId5"/>
-    <p:sldId id="260" r:id="rId6"/>
-    <p:sldId id="261" r:id="rId7"/>
+    <p:sldId id="261" r:id="rId5"/>
+    <p:sldId id="259" r:id="rId6"/>
+    <p:sldId id="260" r:id="rId7"/>
     <p:sldId id="262" r:id="rId8"/>
     <p:sldId id="263" r:id="rId9"/>
     <p:sldId id="264" r:id="rId10"/>
@@ -369,7 +369,7 @@
           <a:p>
             <a:fld id="{FBD62E9E-A5EE-4A7F-A294-3672E4E9C844}" type="datetimeFigureOut">
               <a:rPr lang="de-CH" smtClean="0"/>
-              <a:t>19.02.2025</a:t>
+              <a:t>20.02.2025</a:t>
             </a:fld>
             <a:endParaRPr lang="de-CH"/>
           </a:p>
@@ -539,7 +539,7 @@
           <a:p>
             <a:fld id="{FBD62E9E-A5EE-4A7F-A294-3672E4E9C844}" type="datetimeFigureOut">
               <a:rPr lang="de-CH" smtClean="0"/>
-              <a:t>19.02.2025</a:t>
+              <a:t>20.02.2025</a:t>
             </a:fld>
             <a:endParaRPr lang="de-CH"/>
           </a:p>
@@ -719,7 +719,7 @@
           <a:p>
             <a:fld id="{FBD62E9E-A5EE-4A7F-A294-3672E4E9C844}" type="datetimeFigureOut">
               <a:rPr lang="de-CH" smtClean="0"/>
-              <a:t>19.02.2025</a:t>
+              <a:t>20.02.2025</a:t>
             </a:fld>
             <a:endParaRPr lang="de-CH"/>
           </a:p>
@@ -889,7 +889,7 @@
           <a:p>
             <a:fld id="{FBD62E9E-A5EE-4A7F-A294-3672E4E9C844}" type="datetimeFigureOut">
               <a:rPr lang="de-CH" smtClean="0"/>
-              <a:t>19.02.2025</a:t>
+              <a:t>20.02.2025</a:t>
             </a:fld>
             <a:endParaRPr lang="de-CH"/>
           </a:p>
@@ -1135,7 +1135,7 @@
           <a:p>
             <a:fld id="{FBD62E9E-A5EE-4A7F-A294-3672E4E9C844}" type="datetimeFigureOut">
               <a:rPr lang="de-CH" smtClean="0"/>
-              <a:t>19.02.2025</a:t>
+              <a:t>20.02.2025</a:t>
             </a:fld>
             <a:endParaRPr lang="de-CH"/>
           </a:p>
@@ -1367,7 +1367,7 @@
           <a:p>
             <a:fld id="{FBD62E9E-A5EE-4A7F-A294-3672E4E9C844}" type="datetimeFigureOut">
               <a:rPr lang="de-CH" smtClean="0"/>
-              <a:t>19.02.2025</a:t>
+              <a:t>20.02.2025</a:t>
             </a:fld>
             <a:endParaRPr lang="de-CH"/>
           </a:p>
@@ -1734,7 +1734,7 @@
           <a:p>
             <a:fld id="{FBD62E9E-A5EE-4A7F-A294-3672E4E9C844}" type="datetimeFigureOut">
               <a:rPr lang="de-CH" smtClean="0"/>
-              <a:t>19.02.2025</a:t>
+              <a:t>20.02.2025</a:t>
             </a:fld>
             <a:endParaRPr lang="de-CH"/>
           </a:p>
@@ -1852,7 +1852,7 @@
           <a:p>
             <a:fld id="{FBD62E9E-A5EE-4A7F-A294-3672E4E9C844}" type="datetimeFigureOut">
               <a:rPr lang="de-CH" smtClean="0"/>
-              <a:t>19.02.2025</a:t>
+              <a:t>20.02.2025</a:t>
             </a:fld>
             <a:endParaRPr lang="de-CH"/>
           </a:p>
@@ -1947,7 +1947,7 @@
           <a:p>
             <a:fld id="{FBD62E9E-A5EE-4A7F-A294-3672E4E9C844}" type="datetimeFigureOut">
               <a:rPr lang="de-CH" smtClean="0"/>
-              <a:t>19.02.2025</a:t>
+              <a:t>20.02.2025</a:t>
             </a:fld>
             <a:endParaRPr lang="de-CH"/>
           </a:p>
@@ -2224,7 +2224,7 @@
           <a:p>
             <a:fld id="{FBD62E9E-A5EE-4A7F-A294-3672E4E9C844}" type="datetimeFigureOut">
               <a:rPr lang="de-CH" smtClean="0"/>
-              <a:t>19.02.2025</a:t>
+              <a:t>20.02.2025</a:t>
             </a:fld>
             <a:endParaRPr lang="de-CH"/>
           </a:p>
@@ -2477,7 +2477,7 @@
           <a:p>
             <a:fld id="{FBD62E9E-A5EE-4A7F-A294-3672E4E9C844}" type="datetimeFigureOut">
               <a:rPr lang="de-CH" smtClean="0"/>
-              <a:t>19.02.2025</a:t>
+              <a:t>20.02.2025</a:t>
             </a:fld>
             <a:endParaRPr lang="de-CH"/>
           </a:p>
@@ -2690,7 +2690,7 @@
           <a:p>
             <a:fld id="{FBD62E9E-A5EE-4A7F-A294-3672E4E9C844}" type="datetimeFigureOut">
               <a:rPr lang="de-CH" smtClean="0"/>
-              <a:t>19.02.2025</a:t>
+              <a:t>20.02.2025</a:t>
             </a:fld>
             <a:endParaRPr lang="de-CH"/>
           </a:p>
@@ -4047,1128 +4047,6 @@
         </p:nvSpPr>
         <p:spPr/>
         <p:txBody>
-          <a:bodyPr/>
-          <a:lstStyle/>
-          <a:p>
-            <a:r>
-              <a:rPr lang="en-US" dirty="0" err="1" smtClean="0"/>
-              <a:t>Paketformat</a:t>
-            </a:r>
-            <a:r>
-              <a:rPr lang="en-US" dirty="0" smtClean="0"/>
-              <a:t> – </a:t>
-            </a:r>
-            <a:r>
-              <a:rPr lang="en-US" dirty="0" err="1" smtClean="0"/>
-              <a:t>genereller</a:t>
-            </a:r>
-            <a:r>
-              <a:rPr lang="en-US" dirty="0" smtClean="0"/>
-              <a:t> </a:t>
-            </a:r>
-            <a:r>
-              <a:rPr lang="en-US" dirty="0" err="1" smtClean="0"/>
-              <a:t>Aufbau</a:t>
-            </a:r>
-            <a:endParaRPr lang="de-CH" dirty="0"/>
-          </a:p>
-        </p:txBody>
-      </p:sp>
-      <p:sp>
-        <p:nvSpPr>
-          <p:cNvPr id="4" name="Rounded Rectangle 3"/>
-          <p:cNvSpPr/>
-          <p:nvPr/>
-        </p:nvSpPr>
-        <p:spPr>
-          <a:xfrm>
-            <a:off x="838200" y="2878372"/>
-            <a:ext cx="9978887" cy="771277"/>
-          </a:xfrm>
-          <a:prstGeom prst="roundRect">
-            <a:avLst/>
-          </a:prstGeom>
-          <a:noFill/>
-          <a:ln w="38100">
-            <a:solidFill>
-              <a:schemeClr val="tx1"/>
-            </a:solidFill>
-          </a:ln>
-        </p:spPr>
-        <p:style>
-          <a:lnRef idx="2">
-            <a:schemeClr val="accent1">
-              <a:shade val="50000"/>
-            </a:schemeClr>
-          </a:lnRef>
-          <a:fillRef idx="1">
-            <a:schemeClr val="accent1"/>
-          </a:fillRef>
-          <a:effectRef idx="0">
-            <a:schemeClr val="accent1"/>
-          </a:effectRef>
-          <a:fontRef idx="minor">
-            <a:schemeClr val="lt1"/>
-          </a:fontRef>
-        </p:style>
-        <p:txBody>
-          <a:bodyPr rtlCol="0" anchor="ctr"/>
-          <a:lstStyle/>
-          <a:p>
-            <a:pPr algn="ctr"/>
-            <a:endParaRPr lang="de-CH"/>
-          </a:p>
-        </p:txBody>
-      </p:sp>
-      <p:cxnSp>
-        <p:nvCxnSpPr>
-          <p:cNvPr id="7" name="Straight Connector 6"/>
-          <p:cNvCxnSpPr/>
-          <p:nvPr/>
-        </p:nvCxnSpPr>
-        <p:spPr>
-          <a:xfrm>
-            <a:off x="3851745" y="2878372"/>
-            <a:ext cx="7951" cy="771277"/>
-          </a:xfrm>
-          <a:prstGeom prst="line">
-            <a:avLst/>
-          </a:prstGeom>
-          <a:ln w="19050"/>
-        </p:spPr>
-        <p:style>
-          <a:lnRef idx="1">
-            <a:schemeClr val="dk1"/>
-          </a:lnRef>
-          <a:fillRef idx="0">
-            <a:schemeClr val="dk1"/>
-          </a:fillRef>
-          <a:effectRef idx="0">
-            <a:schemeClr val="dk1"/>
-          </a:effectRef>
-          <a:fontRef idx="minor">
-            <a:schemeClr val="tx1"/>
-          </a:fontRef>
-        </p:style>
-      </p:cxnSp>
-      <p:cxnSp>
-        <p:nvCxnSpPr>
-          <p:cNvPr id="8" name="Straight Connector 7"/>
-          <p:cNvCxnSpPr/>
-          <p:nvPr/>
-        </p:nvCxnSpPr>
-        <p:spPr>
-          <a:xfrm>
-            <a:off x="5322405" y="2878807"/>
-            <a:ext cx="7951" cy="771277"/>
-          </a:xfrm>
-          <a:prstGeom prst="line">
-            <a:avLst/>
-          </a:prstGeom>
-          <a:ln w="19050"/>
-        </p:spPr>
-        <p:style>
-          <a:lnRef idx="1">
-            <a:schemeClr val="dk1"/>
-          </a:lnRef>
-          <a:fillRef idx="0">
-            <a:schemeClr val="dk1"/>
-          </a:fillRef>
-          <a:effectRef idx="0">
-            <a:schemeClr val="dk1"/>
-          </a:effectRef>
-          <a:fontRef idx="minor">
-            <a:schemeClr val="tx1"/>
-          </a:fontRef>
-        </p:style>
-      </p:cxnSp>
-      <p:sp>
-        <p:nvSpPr>
-          <p:cNvPr id="9" name="Left Brace 8"/>
-          <p:cNvSpPr/>
-          <p:nvPr/>
-        </p:nvSpPr>
-        <p:spPr>
-          <a:xfrm rot="5400000">
-            <a:off x="1442499" y="1851185"/>
-            <a:ext cx="310101" cy="1502797"/>
-          </a:xfrm>
-          <a:prstGeom prst="leftBrace">
-            <a:avLst>
-              <a:gd name="adj1" fmla="val 69872"/>
-              <a:gd name="adj2" fmla="val 51058"/>
-            </a:avLst>
-          </a:prstGeom>
-          <a:ln w="28575"/>
-        </p:spPr>
-        <p:style>
-          <a:lnRef idx="1">
-            <a:schemeClr val="accent1"/>
-          </a:lnRef>
-          <a:fillRef idx="0">
-            <a:schemeClr val="accent1"/>
-          </a:fillRef>
-          <a:effectRef idx="0">
-            <a:schemeClr val="accent1"/>
-          </a:effectRef>
-          <a:fontRef idx="minor">
-            <a:schemeClr val="tx1"/>
-          </a:fontRef>
-        </p:style>
-        <p:txBody>
-          <a:bodyPr rtlCol="0" anchor="ctr"/>
-          <a:lstStyle/>
-          <a:p>
-            <a:pPr algn="ctr"/>
-            <a:endParaRPr lang="de-CH"/>
-          </a:p>
-        </p:txBody>
-      </p:sp>
-      <p:sp>
-        <p:nvSpPr>
-          <p:cNvPr id="10" name="Left Brace 9"/>
-          <p:cNvSpPr/>
-          <p:nvPr/>
-        </p:nvSpPr>
-        <p:spPr>
-          <a:xfrm rot="5400000" flipH="1">
-            <a:off x="6439964" y="-226686"/>
-            <a:ext cx="286103" cy="8468138"/>
-          </a:xfrm>
-          <a:prstGeom prst="leftBrace">
-            <a:avLst>
-              <a:gd name="adj1" fmla="val 69872"/>
-              <a:gd name="adj2" fmla="val 51058"/>
-            </a:avLst>
-          </a:prstGeom>
-          <a:ln w="28575">
-            <a:solidFill>
-              <a:srgbClr val="0070C0"/>
-            </a:solidFill>
-          </a:ln>
-        </p:spPr>
-        <p:style>
-          <a:lnRef idx="1">
-            <a:schemeClr val="accent1"/>
-          </a:lnRef>
-          <a:fillRef idx="0">
-            <a:schemeClr val="accent1"/>
-          </a:fillRef>
-          <a:effectRef idx="0">
-            <a:schemeClr val="accent1"/>
-          </a:effectRef>
-          <a:fontRef idx="minor">
-            <a:schemeClr val="tx1"/>
-          </a:fontRef>
-        </p:style>
-        <p:txBody>
-          <a:bodyPr rtlCol="0" anchor="ctr"/>
-          <a:lstStyle/>
-          <a:p>
-            <a:pPr algn="ctr"/>
-            <a:endParaRPr lang="de-CH"/>
-          </a:p>
-        </p:txBody>
-      </p:sp>
-      <p:sp>
-        <p:nvSpPr>
-          <p:cNvPr id="11" name="TextBox 10"/>
-          <p:cNvSpPr txBox="1"/>
-          <p:nvPr/>
-        </p:nvSpPr>
-        <p:spPr>
-          <a:xfrm>
-            <a:off x="5827643" y="2938790"/>
-            <a:ext cx="795411" cy="523220"/>
-          </a:xfrm>
-          <a:prstGeom prst="rect">
-            <a:avLst/>
-          </a:prstGeom>
-          <a:noFill/>
-        </p:spPr>
-        <p:txBody>
-          <a:bodyPr wrap="none" rtlCol="0">
-            <a:spAutoFit/>
-          </a:bodyPr>
-          <a:lstStyle/>
-          <a:p>
-            <a:r>
-              <a:rPr lang="en-US" sz="2800" dirty="0" smtClean="0"/>
-              <a:t>. . . .</a:t>
-            </a:r>
-            <a:endParaRPr lang="de-CH" sz="2800" dirty="0"/>
-          </a:p>
-        </p:txBody>
-      </p:sp>
-      <p:sp>
-        <p:nvSpPr>
-          <p:cNvPr id="12" name="TextBox 11"/>
-          <p:cNvSpPr txBox="1"/>
-          <p:nvPr/>
-        </p:nvSpPr>
-        <p:spPr>
-          <a:xfrm>
-            <a:off x="1200647" y="1970860"/>
-            <a:ext cx="2198038" cy="369332"/>
-          </a:xfrm>
-          <a:prstGeom prst="rect">
-            <a:avLst/>
-          </a:prstGeom>
-          <a:noFill/>
-        </p:spPr>
-        <p:txBody>
-          <a:bodyPr wrap="none" rtlCol="0">
-            <a:spAutoFit/>
-          </a:bodyPr>
-          <a:lstStyle/>
-          <a:p>
-            <a:r>
-              <a:rPr lang="en-US" dirty="0" smtClean="0"/>
-              <a:t>8 Bit                      8 Bit</a:t>
-            </a:r>
-            <a:endParaRPr lang="de-CH" dirty="0"/>
-          </a:p>
-        </p:txBody>
-      </p:sp>
-      <p:sp>
-        <p:nvSpPr>
-          <p:cNvPr id="13" name="TextBox 12"/>
-          <p:cNvSpPr txBox="1"/>
-          <p:nvPr/>
-        </p:nvSpPr>
-        <p:spPr>
-          <a:xfrm>
-            <a:off x="4594261" y="4277803"/>
-            <a:ext cx="4057586" cy="400110"/>
-          </a:xfrm>
-          <a:prstGeom prst="rect">
-            <a:avLst/>
-          </a:prstGeom>
-          <a:noFill/>
-        </p:spPr>
-        <p:txBody>
-          <a:bodyPr wrap="none" rtlCol="0">
-            <a:spAutoFit/>
-          </a:bodyPr>
-          <a:lstStyle/>
-          <a:p>
-            <a:r>
-              <a:rPr lang="en-US" sz="2000" dirty="0" smtClean="0"/>
-              <a:t>Max. </a:t>
-            </a:r>
-            <a:r>
-              <a:rPr lang="en-US" sz="2000" dirty="0" err="1" smtClean="0"/>
-              <a:t>Nachrichtenlänge</a:t>
-            </a:r>
-            <a:r>
-              <a:rPr lang="en-US" sz="2000" dirty="0" smtClean="0"/>
-              <a:t>: 255 </a:t>
-            </a:r>
-            <a:r>
-              <a:rPr lang="en-US" sz="2000" dirty="0" err="1" smtClean="0"/>
-              <a:t>Symbole</a:t>
-            </a:r>
-            <a:endParaRPr lang="de-CH" sz="2000" dirty="0"/>
-          </a:p>
-        </p:txBody>
-      </p:sp>
-      <p:sp>
-        <p:nvSpPr>
-          <p:cNvPr id="14" name="TextBox 13"/>
-          <p:cNvSpPr txBox="1"/>
-          <p:nvPr/>
-        </p:nvSpPr>
-        <p:spPr>
-          <a:xfrm>
-            <a:off x="2417446" y="2940844"/>
-            <a:ext cx="1405889" cy="646331"/>
-          </a:xfrm>
-          <a:prstGeom prst="rect">
-            <a:avLst/>
-          </a:prstGeom>
-          <a:noFill/>
-        </p:spPr>
-        <p:txBody>
-          <a:bodyPr wrap="square" rtlCol="0">
-            <a:spAutoFit/>
-          </a:bodyPr>
-          <a:lstStyle/>
-          <a:p>
-            <a:r>
-              <a:rPr lang="en-US" dirty="0" smtClean="0"/>
-              <a:t>ASCII Character </a:t>
-            </a:r>
-            <a:r>
-              <a:rPr lang="en-US" b="1" dirty="0" smtClean="0"/>
-              <a:t>1</a:t>
-            </a:r>
-            <a:endParaRPr lang="de-CH" b="1" dirty="0"/>
-          </a:p>
-        </p:txBody>
-      </p:sp>
-      <p:sp>
-        <p:nvSpPr>
-          <p:cNvPr id="16" name="TextBox 15"/>
-          <p:cNvSpPr txBox="1"/>
-          <p:nvPr/>
-        </p:nvSpPr>
-        <p:spPr>
-          <a:xfrm>
-            <a:off x="3924467" y="2938790"/>
-            <a:ext cx="1405889" cy="646331"/>
-          </a:xfrm>
-          <a:prstGeom prst="rect">
-            <a:avLst/>
-          </a:prstGeom>
-          <a:noFill/>
-        </p:spPr>
-        <p:txBody>
-          <a:bodyPr wrap="square" rtlCol="0">
-            <a:spAutoFit/>
-          </a:bodyPr>
-          <a:lstStyle/>
-          <a:p>
-            <a:r>
-              <a:rPr lang="en-US" dirty="0" smtClean="0"/>
-              <a:t>ASCII Character </a:t>
-            </a:r>
-            <a:r>
-              <a:rPr lang="en-US" b="1" dirty="0" smtClean="0"/>
-              <a:t>2</a:t>
-            </a:r>
-            <a:endParaRPr lang="de-CH" b="1" dirty="0"/>
-          </a:p>
-        </p:txBody>
-      </p:sp>
-      <p:sp>
-        <p:nvSpPr>
-          <p:cNvPr id="17" name="TextBox 16"/>
-          <p:cNvSpPr txBox="1"/>
-          <p:nvPr/>
-        </p:nvSpPr>
-        <p:spPr>
-          <a:xfrm>
-            <a:off x="1045223" y="2938789"/>
-            <a:ext cx="1104651" cy="646331"/>
-          </a:xfrm>
-          <a:prstGeom prst="rect">
-            <a:avLst/>
-          </a:prstGeom>
-          <a:noFill/>
-        </p:spPr>
-        <p:txBody>
-          <a:bodyPr wrap="square" rtlCol="0">
-            <a:spAutoFit/>
-          </a:bodyPr>
-          <a:lstStyle/>
-          <a:p>
-            <a:r>
-              <a:rPr lang="en-US" dirty="0" smtClean="0"/>
-              <a:t>Message length </a:t>
-            </a:r>
-            <a:endParaRPr lang="de-CH" dirty="0"/>
-          </a:p>
-        </p:txBody>
-      </p:sp>
-      <p:sp>
-        <p:nvSpPr>
-          <p:cNvPr id="21" name="Rounded Rectangle 20"/>
-          <p:cNvSpPr/>
-          <p:nvPr/>
-        </p:nvSpPr>
-        <p:spPr>
-          <a:xfrm>
-            <a:off x="846151" y="2878372"/>
-            <a:ext cx="1502795" cy="771277"/>
-          </a:xfrm>
-          <a:prstGeom prst="roundRect">
-            <a:avLst/>
-          </a:prstGeom>
-          <a:solidFill>
-            <a:srgbClr val="ED7D31">
-              <a:alpha val="10980"/>
-            </a:srgbClr>
-          </a:solidFill>
-        </p:spPr>
-        <p:style>
-          <a:lnRef idx="2">
-            <a:schemeClr val="accent2">
-              <a:shade val="50000"/>
-            </a:schemeClr>
-          </a:lnRef>
-          <a:fillRef idx="1">
-            <a:schemeClr val="accent2"/>
-          </a:fillRef>
-          <a:effectRef idx="0">
-            <a:schemeClr val="accent2"/>
-          </a:effectRef>
-          <a:fontRef idx="minor">
-            <a:schemeClr val="lt1"/>
-          </a:fontRef>
-        </p:style>
-        <p:txBody>
-          <a:bodyPr rtlCol="0" anchor="ctr"/>
-          <a:lstStyle/>
-          <a:p>
-            <a:pPr algn="ctr"/>
-            <a:endParaRPr lang="de-CH"/>
-          </a:p>
-        </p:txBody>
-      </p:sp>
-      <p:sp>
-        <p:nvSpPr>
-          <p:cNvPr id="22" name="Left Brace 21"/>
-          <p:cNvSpPr/>
-          <p:nvPr/>
-        </p:nvSpPr>
-        <p:spPr>
-          <a:xfrm rot="5400000">
-            <a:off x="2945294" y="1851185"/>
-            <a:ext cx="310101" cy="1502797"/>
-          </a:xfrm>
-          <a:prstGeom prst="leftBrace">
-            <a:avLst>
-              <a:gd name="adj1" fmla="val 69872"/>
-              <a:gd name="adj2" fmla="val 51058"/>
-            </a:avLst>
-          </a:prstGeom>
-          <a:ln w="28575"/>
-        </p:spPr>
-        <p:style>
-          <a:lnRef idx="1">
-            <a:schemeClr val="accent1"/>
-          </a:lnRef>
-          <a:fillRef idx="0">
-            <a:schemeClr val="accent1"/>
-          </a:fillRef>
-          <a:effectRef idx="0">
-            <a:schemeClr val="accent1"/>
-          </a:effectRef>
-          <a:fontRef idx="minor">
-            <a:schemeClr val="tx1"/>
-          </a:fontRef>
-        </p:style>
-        <p:txBody>
-          <a:bodyPr rtlCol="0" anchor="ctr"/>
-          <a:lstStyle/>
-          <a:p>
-            <a:pPr algn="ctr"/>
-            <a:endParaRPr lang="de-CH"/>
-          </a:p>
-        </p:txBody>
-      </p:sp>
-    </p:spTree>
-    <p:extLst>
-      <p:ext uri="{BB962C8B-B14F-4D97-AF65-F5344CB8AC3E}">
-        <p14:creationId xmlns:p14="http://schemas.microsoft.com/office/powerpoint/2010/main" val="4220233489"/>
-      </p:ext>
-    </p:extLst>
-  </p:cSld>
-  <p:clrMapOvr>
-    <a:masterClrMapping/>
-  </p:clrMapOvr>
-  <p:timing>
-    <p:tnLst>
-      <p:par>
-        <p:cTn id="1" dur="indefinite" restart="never" nodeType="tmRoot"/>
-      </p:par>
-    </p:tnLst>
-  </p:timing>
-</p:sld>
-</file>
-
-<file path=ppt/slides/slide5.xml><?xml version="1.0" encoding="utf-8"?>
-<p:sld xmlns:a="http://schemas.openxmlformats.org/drawingml/2006/main" xmlns:r="http://schemas.openxmlformats.org/officeDocument/2006/relationships" xmlns:p="http://schemas.openxmlformats.org/presentationml/2006/main">
-  <p:cSld>
-    <p:spTree>
-      <p:nvGrpSpPr>
-        <p:cNvPr id="1" name=""/>
-        <p:cNvGrpSpPr/>
-        <p:nvPr/>
-      </p:nvGrpSpPr>
-      <p:grpSpPr>
-        <a:xfrm>
-          <a:off x="0" y="0"/>
-          <a:ext cx="0" cy="0"/>
-          <a:chOff x="0" y="0"/>
-          <a:chExt cx="0" cy="0"/>
-        </a:xfrm>
-      </p:grpSpPr>
-      <p:sp>
-        <p:nvSpPr>
-          <p:cNvPr id="2" name="Title 1"/>
-          <p:cNvSpPr>
-            <a:spLocks noGrp="1"/>
-          </p:cNvSpPr>
-          <p:nvPr>
-            <p:ph type="title"/>
-          </p:nvPr>
-        </p:nvSpPr>
-        <p:spPr>
-          <a:xfrm>
-            <a:off x="278295" y="198345"/>
-            <a:ext cx="11441927" cy="1325563"/>
-          </a:xfrm>
-        </p:spPr>
-        <p:txBody>
-          <a:bodyPr/>
-          <a:lstStyle/>
-          <a:p>
-            <a:r>
-              <a:rPr lang="en-US" dirty="0" err="1" smtClean="0"/>
-              <a:t>Paketformat</a:t>
-            </a:r>
-            <a:r>
-              <a:rPr lang="en-US" dirty="0" smtClean="0"/>
-              <a:t> – Synchronization &amp; </a:t>
-            </a:r>
-            <a:r>
-              <a:rPr lang="en-US" dirty="0" err="1" smtClean="0"/>
-              <a:t>Fehlerkorrektur</a:t>
-            </a:r>
-            <a:endParaRPr lang="de-CH" dirty="0"/>
-          </a:p>
-        </p:txBody>
-      </p:sp>
-      <p:sp>
-        <p:nvSpPr>
-          <p:cNvPr id="4" name="Rounded Rectangle 3"/>
-          <p:cNvSpPr/>
-          <p:nvPr/>
-        </p:nvSpPr>
-        <p:spPr>
-          <a:xfrm>
-            <a:off x="1466350" y="3538331"/>
-            <a:ext cx="9347424" cy="453224"/>
-          </a:xfrm>
-          <a:prstGeom prst="roundRect">
-            <a:avLst/>
-          </a:prstGeom>
-          <a:noFill/>
-          <a:ln w="38100">
-            <a:solidFill>
-              <a:schemeClr val="tx1"/>
-            </a:solidFill>
-          </a:ln>
-        </p:spPr>
-        <p:style>
-          <a:lnRef idx="2">
-            <a:schemeClr val="accent1">
-              <a:shade val="50000"/>
-            </a:schemeClr>
-          </a:lnRef>
-          <a:fillRef idx="1">
-            <a:schemeClr val="accent1"/>
-          </a:fillRef>
-          <a:effectRef idx="0">
-            <a:schemeClr val="accent1"/>
-          </a:effectRef>
-          <a:fontRef idx="minor">
-            <a:schemeClr val="lt1"/>
-          </a:fontRef>
-        </p:style>
-        <p:txBody>
-          <a:bodyPr rtlCol="0" anchor="ctr"/>
-          <a:lstStyle/>
-          <a:p>
-            <a:pPr algn="ctr"/>
-            <a:endParaRPr lang="de-CH"/>
-          </a:p>
-        </p:txBody>
-      </p:sp>
-      <p:sp>
-        <p:nvSpPr>
-          <p:cNvPr id="5" name="Rounded Rectangle 4"/>
-          <p:cNvSpPr/>
-          <p:nvPr/>
-        </p:nvSpPr>
-        <p:spPr>
-          <a:xfrm>
-            <a:off x="1466350" y="3538331"/>
-            <a:ext cx="1046261" cy="453224"/>
-          </a:xfrm>
-          <a:prstGeom prst="roundRect">
-            <a:avLst/>
-          </a:prstGeom>
-          <a:solidFill>
-            <a:srgbClr val="ED7D31">
-              <a:alpha val="43137"/>
-            </a:srgbClr>
-          </a:solidFill>
-          <a:ln>
-            <a:noFill/>
-          </a:ln>
-        </p:spPr>
-        <p:style>
-          <a:lnRef idx="2">
-            <a:schemeClr val="accent2">
-              <a:shade val="50000"/>
-            </a:schemeClr>
-          </a:lnRef>
-          <a:fillRef idx="1">
-            <a:schemeClr val="accent2"/>
-          </a:fillRef>
-          <a:effectRef idx="0">
-            <a:schemeClr val="accent2"/>
-          </a:effectRef>
-          <a:fontRef idx="minor">
-            <a:schemeClr val="lt1"/>
-          </a:fontRef>
-        </p:style>
-        <p:txBody>
-          <a:bodyPr rtlCol="0" anchor="ctr"/>
-          <a:lstStyle/>
-          <a:p>
-            <a:pPr algn="ctr"/>
-            <a:endParaRPr lang="de-CH"/>
-          </a:p>
-        </p:txBody>
-      </p:sp>
-      <p:sp>
-        <p:nvSpPr>
-          <p:cNvPr id="6" name="Rounded Rectangle 5"/>
-          <p:cNvSpPr/>
-          <p:nvPr/>
-        </p:nvSpPr>
-        <p:spPr>
-          <a:xfrm>
-            <a:off x="803080" y="3538331"/>
-            <a:ext cx="585462" cy="453224"/>
-          </a:xfrm>
-          <a:prstGeom prst="roundRect">
-            <a:avLst/>
-          </a:prstGeom>
-          <a:solidFill>
-            <a:schemeClr val="accent6">
-              <a:lumMod val="60000"/>
-              <a:lumOff val="40000"/>
-            </a:schemeClr>
-          </a:solidFill>
-        </p:spPr>
-        <p:style>
-          <a:lnRef idx="2">
-            <a:schemeClr val="accent6">
-              <a:shade val="50000"/>
-            </a:schemeClr>
-          </a:lnRef>
-          <a:fillRef idx="1">
-            <a:schemeClr val="accent6"/>
-          </a:fillRef>
-          <a:effectRef idx="0">
-            <a:schemeClr val="accent6"/>
-          </a:effectRef>
-          <a:fontRef idx="minor">
-            <a:schemeClr val="lt1"/>
-          </a:fontRef>
-        </p:style>
-        <p:txBody>
-          <a:bodyPr rtlCol="0" anchor="ctr"/>
-          <a:lstStyle/>
-          <a:p>
-            <a:pPr algn="ctr"/>
-            <a:endParaRPr lang="de-CH"/>
-          </a:p>
-        </p:txBody>
-      </p:sp>
-      <p:sp>
-        <p:nvSpPr>
-          <p:cNvPr id="7" name="TextBox 6"/>
-          <p:cNvSpPr txBox="1"/>
-          <p:nvPr/>
-        </p:nvSpPr>
-        <p:spPr>
-          <a:xfrm>
-            <a:off x="111318" y="4866592"/>
-            <a:ext cx="2735248" cy="830997"/>
-          </a:xfrm>
-          <a:prstGeom prst="rect">
-            <a:avLst/>
-          </a:prstGeom>
-          <a:noFill/>
-        </p:spPr>
-        <p:txBody>
-          <a:bodyPr wrap="square" rtlCol="0">
-            <a:spAutoFit/>
-          </a:bodyPr>
-          <a:lstStyle/>
-          <a:p>
-            <a:r>
-              <a:rPr lang="en-US" sz="2400" dirty="0" smtClean="0"/>
-              <a:t>Barker Code (7 Bit)</a:t>
-            </a:r>
-            <a:r>
-              <a:rPr lang="de-CH" sz="2400" dirty="0" smtClean="0"/>
-              <a:t> zur Synchronisation</a:t>
-            </a:r>
-            <a:endParaRPr lang="en-US" sz="2400" dirty="0" smtClean="0"/>
-          </a:p>
-        </p:txBody>
-      </p:sp>
-      <p:cxnSp>
-        <p:nvCxnSpPr>
-          <p:cNvPr id="9" name="Straight Arrow Connector 8"/>
-          <p:cNvCxnSpPr/>
-          <p:nvPr/>
-        </p:nvCxnSpPr>
-        <p:spPr>
-          <a:xfrm flipV="1">
-            <a:off x="978009" y="4142629"/>
-            <a:ext cx="7952" cy="628153"/>
-          </a:xfrm>
-          <a:prstGeom prst="straightConnector1">
-            <a:avLst/>
-          </a:prstGeom>
-          <a:ln w="28575">
-            <a:tailEnd type="triangle"/>
-          </a:ln>
-        </p:spPr>
-        <p:style>
-          <a:lnRef idx="1">
-            <a:schemeClr val="accent6"/>
-          </a:lnRef>
-          <a:fillRef idx="0">
-            <a:schemeClr val="accent6"/>
-          </a:fillRef>
-          <a:effectRef idx="0">
-            <a:schemeClr val="accent6"/>
-          </a:effectRef>
-          <a:fontRef idx="minor">
-            <a:schemeClr val="tx1"/>
-          </a:fontRef>
-        </p:style>
-      </p:cxnSp>
-      <p:sp>
-        <p:nvSpPr>
-          <p:cNvPr id="10" name="Rounded Rectangle 9"/>
-          <p:cNvSpPr/>
-          <p:nvPr/>
-        </p:nvSpPr>
-        <p:spPr>
-          <a:xfrm>
-            <a:off x="1388542" y="1855302"/>
-            <a:ext cx="4439764" cy="453224"/>
-          </a:xfrm>
-          <a:prstGeom prst="roundRect">
-            <a:avLst/>
-          </a:prstGeom>
-          <a:noFill/>
-          <a:ln w="38100">
-            <a:solidFill>
-              <a:schemeClr val="tx1"/>
-            </a:solidFill>
-          </a:ln>
-        </p:spPr>
-        <p:style>
-          <a:lnRef idx="2">
-            <a:schemeClr val="accent1">
-              <a:shade val="50000"/>
-            </a:schemeClr>
-          </a:lnRef>
-          <a:fillRef idx="1">
-            <a:schemeClr val="accent1"/>
-          </a:fillRef>
-          <a:effectRef idx="0">
-            <a:schemeClr val="accent1"/>
-          </a:effectRef>
-          <a:fontRef idx="minor">
-            <a:schemeClr val="lt1"/>
-          </a:fontRef>
-        </p:style>
-        <p:txBody>
-          <a:bodyPr rtlCol="0" anchor="ctr"/>
-          <a:lstStyle/>
-          <a:p>
-            <a:pPr algn="ctr"/>
-            <a:endParaRPr lang="de-CH"/>
-          </a:p>
-        </p:txBody>
-      </p:sp>
-      <p:sp>
-        <p:nvSpPr>
-          <p:cNvPr id="11" name="Rounded Rectangle 10"/>
-          <p:cNvSpPr/>
-          <p:nvPr/>
-        </p:nvSpPr>
-        <p:spPr>
-          <a:xfrm>
-            <a:off x="1388542" y="1855302"/>
-            <a:ext cx="545328" cy="453224"/>
-          </a:xfrm>
-          <a:prstGeom prst="roundRect">
-            <a:avLst/>
-          </a:prstGeom>
-          <a:solidFill>
-            <a:srgbClr val="ED7D31">
-              <a:alpha val="43137"/>
-            </a:srgbClr>
-          </a:solidFill>
-          <a:ln>
-            <a:noFill/>
-          </a:ln>
-        </p:spPr>
-        <p:style>
-          <a:lnRef idx="2">
-            <a:schemeClr val="accent2">
-              <a:shade val="50000"/>
-            </a:schemeClr>
-          </a:lnRef>
-          <a:fillRef idx="1">
-            <a:schemeClr val="accent2"/>
-          </a:fillRef>
-          <a:effectRef idx="0">
-            <a:schemeClr val="accent2"/>
-          </a:effectRef>
-          <a:fontRef idx="minor">
-            <a:schemeClr val="lt1"/>
-          </a:fontRef>
-        </p:style>
-        <p:txBody>
-          <a:bodyPr rtlCol="0" anchor="ctr"/>
-          <a:lstStyle/>
-          <a:p>
-            <a:pPr algn="ctr"/>
-            <a:endParaRPr lang="de-CH"/>
-          </a:p>
-        </p:txBody>
-      </p:sp>
-      <p:sp>
-        <p:nvSpPr>
-          <p:cNvPr id="12" name="TextBox 11"/>
-          <p:cNvSpPr txBox="1"/>
-          <p:nvPr/>
-        </p:nvSpPr>
-        <p:spPr>
-          <a:xfrm>
-            <a:off x="5937529" y="1774129"/>
-            <a:ext cx="2801344" cy="461665"/>
-          </a:xfrm>
-          <a:prstGeom prst="rect">
-            <a:avLst/>
-          </a:prstGeom>
-          <a:noFill/>
-        </p:spPr>
-        <p:txBody>
-          <a:bodyPr wrap="none" rtlCol="0">
-            <a:spAutoFit/>
-          </a:bodyPr>
-          <a:lstStyle/>
-          <a:p>
-            <a:r>
-              <a:rPr lang="en-US" sz="2400" dirty="0" err="1" smtClean="0"/>
-              <a:t>Ursprüngliches</a:t>
-            </a:r>
-            <a:r>
-              <a:rPr lang="en-US" sz="2400" dirty="0" smtClean="0"/>
-              <a:t> </a:t>
-            </a:r>
-            <a:r>
-              <a:rPr lang="en-US" sz="2400" dirty="0" err="1" smtClean="0"/>
-              <a:t>Paket</a:t>
-            </a:r>
-            <a:endParaRPr lang="de-CH" sz="2400" dirty="0"/>
-          </a:p>
-        </p:txBody>
-      </p:sp>
-      <p:sp>
-        <p:nvSpPr>
-          <p:cNvPr id="13" name="TextBox 12"/>
-          <p:cNvSpPr txBox="1"/>
-          <p:nvPr/>
-        </p:nvSpPr>
-        <p:spPr>
-          <a:xfrm>
-            <a:off x="3524605" y="4951488"/>
-            <a:ext cx="7829195" cy="830997"/>
-          </a:xfrm>
-          <a:prstGeom prst="rect">
-            <a:avLst/>
-          </a:prstGeom>
-          <a:noFill/>
-        </p:spPr>
-        <p:txBody>
-          <a:bodyPr wrap="none" rtlCol="0">
-            <a:spAutoFit/>
-          </a:bodyPr>
-          <a:lstStyle/>
-          <a:p>
-            <a:r>
-              <a:rPr lang="en-US" sz="2400" dirty="0" smtClean="0"/>
-              <a:t>Hamming Codes </a:t>
-            </a:r>
-            <a:r>
-              <a:rPr lang="en-US" sz="2400" dirty="0" err="1" smtClean="0"/>
-              <a:t>encoden</a:t>
-            </a:r>
-            <a:r>
-              <a:rPr lang="en-US" sz="2400" dirty="0" smtClean="0"/>
-              <a:t> 4-Bit </a:t>
-            </a:r>
-            <a:r>
-              <a:rPr lang="en-US" sz="2400" dirty="0" err="1" smtClean="0"/>
-              <a:t>Segmente</a:t>
-            </a:r>
-            <a:r>
-              <a:rPr lang="en-US" sz="2400" dirty="0" smtClean="0"/>
-              <a:t> </a:t>
-            </a:r>
-            <a:r>
-              <a:rPr lang="en-US" sz="2400" dirty="0" err="1" smtClean="0"/>
-              <a:t>zur</a:t>
-            </a:r>
-            <a:r>
-              <a:rPr lang="en-US" sz="2400" dirty="0" smtClean="0"/>
-              <a:t> </a:t>
-            </a:r>
-            <a:r>
-              <a:rPr lang="en-US" sz="2400" dirty="0" err="1" smtClean="0"/>
-              <a:t>Fehlerkorrektur</a:t>
-            </a:r>
-            <a:endParaRPr lang="en-US" sz="2400" dirty="0" smtClean="0"/>
-          </a:p>
-          <a:p>
-            <a:pPr algn="ctr"/>
-            <a:r>
-              <a:rPr lang="en-US" sz="2400" dirty="0" err="1" smtClean="0"/>
-              <a:t>Wir</a:t>
-            </a:r>
-            <a:r>
-              <a:rPr lang="en-US" sz="2400" dirty="0" smtClean="0"/>
-              <a:t> </a:t>
-            </a:r>
-            <a:r>
-              <a:rPr lang="en-US" sz="2400" dirty="0" err="1" smtClean="0"/>
-              <a:t>benutzen</a:t>
-            </a:r>
-            <a:r>
-              <a:rPr lang="en-US" sz="2400" dirty="0" smtClean="0"/>
-              <a:t> die </a:t>
-            </a:r>
-            <a:r>
-              <a:rPr lang="en-US" sz="2400" i="1" dirty="0" err="1" smtClean="0"/>
-              <a:t>fecmagic</a:t>
-            </a:r>
-            <a:r>
-              <a:rPr lang="en-US" sz="2400" dirty="0" smtClean="0"/>
-              <a:t> library</a:t>
-            </a:r>
-          </a:p>
-        </p:txBody>
-      </p:sp>
-      <p:cxnSp>
-        <p:nvCxnSpPr>
-          <p:cNvPr id="14" name="Straight Arrow Connector 13"/>
-          <p:cNvCxnSpPr/>
-          <p:nvPr/>
-        </p:nvCxnSpPr>
-        <p:spPr>
-          <a:xfrm flipH="1" flipV="1">
-            <a:off x="2242269" y="4142629"/>
-            <a:ext cx="3379303" cy="723963"/>
-          </a:xfrm>
-          <a:prstGeom prst="straightConnector1">
-            <a:avLst/>
-          </a:prstGeom>
-          <a:ln w="28575">
-            <a:tailEnd type="triangle"/>
-          </a:ln>
-        </p:spPr>
-        <p:style>
-          <a:lnRef idx="2">
-            <a:schemeClr val="accent2"/>
-          </a:lnRef>
-          <a:fillRef idx="0">
-            <a:schemeClr val="accent2"/>
-          </a:fillRef>
-          <a:effectRef idx="1">
-            <a:schemeClr val="accent2"/>
-          </a:effectRef>
-          <a:fontRef idx="minor">
-            <a:schemeClr val="tx1"/>
-          </a:fontRef>
-        </p:style>
-      </p:cxnSp>
-      <p:cxnSp>
-        <p:nvCxnSpPr>
-          <p:cNvPr id="18" name="Straight Arrow Connector 17"/>
-          <p:cNvCxnSpPr/>
-          <p:nvPr/>
-        </p:nvCxnSpPr>
-        <p:spPr>
-          <a:xfrm flipH="1" flipV="1">
-            <a:off x="6585006" y="4190534"/>
-            <a:ext cx="6625" cy="676058"/>
-          </a:xfrm>
-          <a:prstGeom prst="straightConnector1">
-            <a:avLst/>
-          </a:prstGeom>
-          <a:ln w="28575">
-            <a:tailEnd type="triangle"/>
-          </a:ln>
-        </p:spPr>
-        <p:style>
-          <a:lnRef idx="1">
-            <a:schemeClr val="dk1"/>
-          </a:lnRef>
-          <a:fillRef idx="0">
-            <a:schemeClr val="dk1"/>
-          </a:fillRef>
-          <a:effectRef idx="0">
-            <a:schemeClr val="dk1"/>
-          </a:effectRef>
-          <a:fontRef idx="minor">
-            <a:schemeClr val="tx1"/>
-          </a:fontRef>
-        </p:style>
-      </p:cxnSp>
-    </p:spTree>
-    <p:extLst>
-      <p:ext uri="{BB962C8B-B14F-4D97-AF65-F5344CB8AC3E}">
-        <p14:creationId xmlns:p14="http://schemas.microsoft.com/office/powerpoint/2010/main" val="2494314818"/>
-      </p:ext>
-    </p:extLst>
-  </p:cSld>
-  <p:clrMapOvr>
-    <a:masterClrMapping/>
-  </p:clrMapOvr>
-  <p:timing>
-    <p:tnLst>
-      <p:par>
-        <p:cTn id="1" dur="indefinite" restart="never" nodeType="tmRoot"/>
-      </p:par>
-    </p:tnLst>
-  </p:timing>
-</p:sld>
-</file>
-
-<file path=ppt/slides/slide6.xml><?xml version="1.0" encoding="utf-8"?>
-<p:sld xmlns:a="http://schemas.openxmlformats.org/drawingml/2006/main" xmlns:r="http://schemas.openxmlformats.org/officeDocument/2006/relationships" xmlns:p="http://schemas.openxmlformats.org/presentationml/2006/main">
-  <p:cSld>
-    <p:spTree>
-      <p:nvGrpSpPr>
-        <p:cNvPr id="1" name=""/>
-        <p:cNvGrpSpPr/>
-        <p:nvPr/>
-      </p:nvGrpSpPr>
-      <p:grpSpPr>
-        <a:xfrm>
-          <a:off x="0" y="0"/>
-          <a:ext cx="0" cy="0"/>
-          <a:chOff x="0" y="0"/>
-          <a:chExt cx="0" cy="0"/>
-        </a:xfrm>
-      </p:grpSpPr>
-      <p:sp>
-        <p:nvSpPr>
-          <p:cNvPr id="2" name="Title 1"/>
-          <p:cNvSpPr>
-            <a:spLocks noGrp="1"/>
-          </p:cNvSpPr>
-          <p:nvPr>
-            <p:ph type="title"/>
-          </p:nvPr>
-        </p:nvSpPr>
-        <p:spPr/>
-        <p:txBody>
           <a:bodyPr>
             <a:normAutofit/>
           </a:bodyPr>
@@ -5593,6 +4471,1128 @@
     <p:extLst>
       <p:ext uri="{BB962C8B-B14F-4D97-AF65-F5344CB8AC3E}">
         <p14:creationId xmlns:p14="http://schemas.microsoft.com/office/powerpoint/2010/main" val="792728502"/>
+      </p:ext>
+    </p:extLst>
+  </p:cSld>
+  <p:clrMapOvr>
+    <a:masterClrMapping/>
+  </p:clrMapOvr>
+  <p:timing>
+    <p:tnLst>
+      <p:par>
+        <p:cTn id="1" dur="indefinite" restart="never" nodeType="tmRoot"/>
+      </p:par>
+    </p:tnLst>
+  </p:timing>
+</p:sld>
+</file>
+
+<file path=ppt/slides/slide5.xml><?xml version="1.0" encoding="utf-8"?>
+<p:sld xmlns:a="http://schemas.openxmlformats.org/drawingml/2006/main" xmlns:r="http://schemas.openxmlformats.org/officeDocument/2006/relationships" xmlns:p="http://schemas.openxmlformats.org/presentationml/2006/main">
+  <p:cSld>
+    <p:spTree>
+      <p:nvGrpSpPr>
+        <p:cNvPr id="1" name=""/>
+        <p:cNvGrpSpPr/>
+        <p:nvPr/>
+      </p:nvGrpSpPr>
+      <p:grpSpPr>
+        <a:xfrm>
+          <a:off x="0" y="0"/>
+          <a:ext cx="0" cy="0"/>
+          <a:chOff x="0" y="0"/>
+          <a:chExt cx="0" cy="0"/>
+        </a:xfrm>
+      </p:grpSpPr>
+      <p:sp>
+        <p:nvSpPr>
+          <p:cNvPr id="2" name="Title 1"/>
+          <p:cNvSpPr>
+            <a:spLocks noGrp="1"/>
+          </p:cNvSpPr>
+          <p:nvPr>
+            <p:ph type="title"/>
+          </p:nvPr>
+        </p:nvSpPr>
+        <p:spPr/>
+        <p:txBody>
+          <a:bodyPr/>
+          <a:lstStyle/>
+          <a:p>
+            <a:r>
+              <a:rPr lang="en-US" dirty="0" err="1" smtClean="0"/>
+              <a:t>Paketformat</a:t>
+            </a:r>
+            <a:r>
+              <a:rPr lang="en-US" dirty="0" smtClean="0"/>
+              <a:t> – </a:t>
+            </a:r>
+            <a:r>
+              <a:rPr lang="en-US" dirty="0" err="1" smtClean="0"/>
+              <a:t>genereller</a:t>
+            </a:r>
+            <a:r>
+              <a:rPr lang="en-US" dirty="0" smtClean="0"/>
+              <a:t> </a:t>
+            </a:r>
+            <a:r>
+              <a:rPr lang="en-US" dirty="0" err="1" smtClean="0"/>
+              <a:t>Aufbau</a:t>
+            </a:r>
+            <a:endParaRPr lang="de-CH" dirty="0"/>
+          </a:p>
+        </p:txBody>
+      </p:sp>
+      <p:sp>
+        <p:nvSpPr>
+          <p:cNvPr id="4" name="Rounded Rectangle 3"/>
+          <p:cNvSpPr/>
+          <p:nvPr/>
+        </p:nvSpPr>
+        <p:spPr>
+          <a:xfrm>
+            <a:off x="838200" y="2878372"/>
+            <a:ext cx="9978887" cy="771277"/>
+          </a:xfrm>
+          <a:prstGeom prst="roundRect">
+            <a:avLst/>
+          </a:prstGeom>
+          <a:noFill/>
+          <a:ln w="38100">
+            <a:solidFill>
+              <a:schemeClr val="tx1"/>
+            </a:solidFill>
+          </a:ln>
+        </p:spPr>
+        <p:style>
+          <a:lnRef idx="2">
+            <a:schemeClr val="accent1">
+              <a:shade val="50000"/>
+            </a:schemeClr>
+          </a:lnRef>
+          <a:fillRef idx="1">
+            <a:schemeClr val="accent1"/>
+          </a:fillRef>
+          <a:effectRef idx="0">
+            <a:schemeClr val="accent1"/>
+          </a:effectRef>
+          <a:fontRef idx="minor">
+            <a:schemeClr val="lt1"/>
+          </a:fontRef>
+        </p:style>
+        <p:txBody>
+          <a:bodyPr rtlCol="0" anchor="ctr"/>
+          <a:lstStyle/>
+          <a:p>
+            <a:pPr algn="ctr"/>
+            <a:endParaRPr lang="de-CH"/>
+          </a:p>
+        </p:txBody>
+      </p:sp>
+      <p:cxnSp>
+        <p:nvCxnSpPr>
+          <p:cNvPr id="7" name="Straight Connector 6"/>
+          <p:cNvCxnSpPr/>
+          <p:nvPr/>
+        </p:nvCxnSpPr>
+        <p:spPr>
+          <a:xfrm>
+            <a:off x="3851745" y="2878372"/>
+            <a:ext cx="7951" cy="771277"/>
+          </a:xfrm>
+          <a:prstGeom prst="line">
+            <a:avLst/>
+          </a:prstGeom>
+          <a:ln w="19050"/>
+        </p:spPr>
+        <p:style>
+          <a:lnRef idx="1">
+            <a:schemeClr val="dk1"/>
+          </a:lnRef>
+          <a:fillRef idx="0">
+            <a:schemeClr val="dk1"/>
+          </a:fillRef>
+          <a:effectRef idx="0">
+            <a:schemeClr val="dk1"/>
+          </a:effectRef>
+          <a:fontRef idx="minor">
+            <a:schemeClr val="tx1"/>
+          </a:fontRef>
+        </p:style>
+      </p:cxnSp>
+      <p:cxnSp>
+        <p:nvCxnSpPr>
+          <p:cNvPr id="8" name="Straight Connector 7"/>
+          <p:cNvCxnSpPr/>
+          <p:nvPr/>
+        </p:nvCxnSpPr>
+        <p:spPr>
+          <a:xfrm>
+            <a:off x="5322405" y="2878807"/>
+            <a:ext cx="7951" cy="771277"/>
+          </a:xfrm>
+          <a:prstGeom prst="line">
+            <a:avLst/>
+          </a:prstGeom>
+          <a:ln w="19050"/>
+        </p:spPr>
+        <p:style>
+          <a:lnRef idx="1">
+            <a:schemeClr val="dk1"/>
+          </a:lnRef>
+          <a:fillRef idx="0">
+            <a:schemeClr val="dk1"/>
+          </a:fillRef>
+          <a:effectRef idx="0">
+            <a:schemeClr val="dk1"/>
+          </a:effectRef>
+          <a:fontRef idx="minor">
+            <a:schemeClr val="tx1"/>
+          </a:fontRef>
+        </p:style>
+      </p:cxnSp>
+      <p:sp>
+        <p:nvSpPr>
+          <p:cNvPr id="9" name="Left Brace 8"/>
+          <p:cNvSpPr/>
+          <p:nvPr/>
+        </p:nvSpPr>
+        <p:spPr>
+          <a:xfrm rot="5400000">
+            <a:off x="1442499" y="1851185"/>
+            <a:ext cx="310101" cy="1502797"/>
+          </a:xfrm>
+          <a:prstGeom prst="leftBrace">
+            <a:avLst>
+              <a:gd name="adj1" fmla="val 69872"/>
+              <a:gd name="adj2" fmla="val 51058"/>
+            </a:avLst>
+          </a:prstGeom>
+          <a:ln w="28575"/>
+        </p:spPr>
+        <p:style>
+          <a:lnRef idx="1">
+            <a:schemeClr val="accent1"/>
+          </a:lnRef>
+          <a:fillRef idx="0">
+            <a:schemeClr val="accent1"/>
+          </a:fillRef>
+          <a:effectRef idx="0">
+            <a:schemeClr val="accent1"/>
+          </a:effectRef>
+          <a:fontRef idx="minor">
+            <a:schemeClr val="tx1"/>
+          </a:fontRef>
+        </p:style>
+        <p:txBody>
+          <a:bodyPr rtlCol="0" anchor="ctr"/>
+          <a:lstStyle/>
+          <a:p>
+            <a:pPr algn="ctr"/>
+            <a:endParaRPr lang="de-CH"/>
+          </a:p>
+        </p:txBody>
+      </p:sp>
+      <p:sp>
+        <p:nvSpPr>
+          <p:cNvPr id="10" name="Left Brace 9"/>
+          <p:cNvSpPr/>
+          <p:nvPr/>
+        </p:nvSpPr>
+        <p:spPr>
+          <a:xfrm rot="5400000" flipH="1">
+            <a:off x="6439964" y="-226686"/>
+            <a:ext cx="286103" cy="8468138"/>
+          </a:xfrm>
+          <a:prstGeom prst="leftBrace">
+            <a:avLst>
+              <a:gd name="adj1" fmla="val 69872"/>
+              <a:gd name="adj2" fmla="val 51058"/>
+            </a:avLst>
+          </a:prstGeom>
+          <a:ln w="28575">
+            <a:solidFill>
+              <a:srgbClr val="0070C0"/>
+            </a:solidFill>
+          </a:ln>
+        </p:spPr>
+        <p:style>
+          <a:lnRef idx="1">
+            <a:schemeClr val="accent1"/>
+          </a:lnRef>
+          <a:fillRef idx="0">
+            <a:schemeClr val="accent1"/>
+          </a:fillRef>
+          <a:effectRef idx="0">
+            <a:schemeClr val="accent1"/>
+          </a:effectRef>
+          <a:fontRef idx="minor">
+            <a:schemeClr val="tx1"/>
+          </a:fontRef>
+        </p:style>
+        <p:txBody>
+          <a:bodyPr rtlCol="0" anchor="ctr"/>
+          <a:lstStyle/>
+          <a:p>
+            <a:pPr algn="ctr"/>
+            <a:endParaRPr lang="de-CH"/>
+          </a:p>
+        </p:txBody>
+      </p:sp>
+      <p:sp>
+        <p:nvSpPr>
+          <p:cNvPr id="11" name="TextBox 10"/>
+          <p:cNvSpPr txBox="1"/>
+          <p:nvPr/>
+        </p:nvSpPr>
+        <p:spPr>
+          <a:xfrm>
+            <a:off x="5827643" y="2938790"/>
+            <a:ext cx="795411" cy="523220"/>
+          </a:xfrm>
+          <a:prstGeom prst="rect">
+            <a:avLst/>
+          </a:prstGeom>
+          <a:noFill/>
+        </p:spPr>
+        <p:txBody>
+          <a:bodyPr wrap="none" rtlCol="0">
+            <a:spAutoFit/>
+          </a:bodyPr>
+          <a:lstStyle/>
+          <a:p>
+            <a:r>
+              <a:rPr lang="en-US" sz="2800" dirty="0" smtClean="0"/>
+              <a:t>. . . .</a:t>
+            </a:r>
+            <a:endParaRPr lang="de-CH" sz="2800" dirty="0"/>
+          </a:p>
+        </p:txBody>
+      </p:sp>
+      <p:sp>
+        <p:nvSpPr>
+          <p:cNvPr id="12" name="TextBox 11"/>
+          <p:cNvSpPr txBox="1"/>
+          <p:nvPr/>
+        </p:nvSpPr>
+        <p:spPr>
+          <a:xfrm>
+            <a:off x="1200647" y="1970860"/>
+            <a:ext cx="2198038" cy="369332"/>
+          </a:xfrm>
+          <a:prstGeom prst="rect">
+            <a:avLst/>
+          </a:prstGeom>
+          <a:noFill/>
+        </p:spPr>
+        <p:txBody>
+          <a:bodyPr wrap="none" rtlCol="0">
+            <a:spAutoFit/>
+          </a:bodyPr>
+          <a:lstStyle/>
+          <a:p>
+            <a:r>
+              <a:rPr lang="en-US" dirty="0" smtClean="0"/>
+              <a:t>8 Bit                      8 Bit</a:t>
+            </a:r>
+            <a:endParaRPr lang="de-CH" dirty="0"/>
+          </a:p>
+        </p:txBody>
+      </p:sp>
+      <p:sp>
+        <p:nvSpPr>
+          <p:cNvPr id="13" name="TextBox 12"/>
+          <p:cNvSpPr txBox="1"/>
+          <p:nvPr/>
+        </p:nvSpPr>
+        <p:spPr>
+          <a:xfrm>
+            <a:off x="4594261" y="4277803"/>
+            <a:ext cx="4057586" cy="400110"/>
+          </a:xfrm>
+          <a:prstGeom prst="rect">
+            <a:avLst/>
+          </a:prstGeom>
+          <a:noFill/>
+        </p:spPr>
+        <p:txBody>
+          <a:bodyPr wrap="none" rtlCol="0">
+            <a:spAutoFit/>
+          </a:bodyPr>
+          <a:lstStyle/>
+          <a:p>
+            <a:r>
+              <a:rPr lang="en-US" sz="2000" dirty="0" smtClean="0"/>
+              <a:t>Max. </a:t>
+            </a:r>
+            <a:r>
+              <a:rPr lang="en-US" sz="2000" dirty="0" err="1" smtClean="0"/>
+              <a:t>Nachrichtenlänge</a:t>
+            </a:r>
+            <a:r>
+              <a:rPr lang="en-US" sz="2000" dirty="0" smtClean="0"/>
+              <a:t>: 255 </a:t>
+            </a:r>
+            <a:r>
+              <a:rPr lang="en-US" sz="2000" dirty="0" err="1" smtClean="0"/>
+              <a:t>Symbole</a:t>
+            </a:r>
+            <a:endParaRPr lang="de-CH" sz="2000" dirty="0"/>
+          </a:p>
+        </p:txBody>
+      </p:sp>
+      <p:sp>
+        <p:nvSpPr>
+          <p:cNvPr id="14" name="TextBox 13"/>
+          <p:cNvSpPr txBox="1"/>
+          <p:nvPr/>
+        </p:nvSpPr>
+        <p:spPr>
+          <a:xfrm>
+            <a:off x="2417446" y="2940844"/>
+            <a:ext cx="1405889" cy="646331"/>
+          </a:xfrm>
+          <a:prstGeom prst="rect">
+            <a:avLst/>
+          </a:prstGeom>
+          <a:noFill/>
+        </p:spPr>
+        <p:txBody>
+          <a:bodyPr wrap="square" rtlCol="0">
+            <a:spAutoFit/>
+          </a:bodyPr>
+          <a:lstStyle/>
+          <a:p>
+            <a:r>
+              <a:rPr lang="en-US" dirty="0" smtClean="0"/>
+              <a:t>ASCII Character </a:t>
+            </a:r>
+            <a:r>
+              <a:rPr lang="en-US" b="1" dirty="0" smtClean="0"/>
+              <a:t>1</a:t>
+            </a:r>
+            <a:endParaRPr lang="de-CH" b="1" dirty="0"/>
+          </a:p>
+        </p:txBody>
+      </p:sp>
+      <p:sp>
+        <p:nvSpPr>
+          <p:cNvPr id="16" name="TextBox 15"/>
+          <p:cNvSpPr txBox="1"/>
+          <p:nvPr/>
+        </p:nvSpPr>
+        <p:spPr>
+          <a:xfrm>
+            <a:off x="3924467" y="2938790"/>
+            <a:ext cx="1405889" cy="646331"/>
+          </a:xfrm>
+          <a:prstGeom prst="rect">
+            <a:avLst/>
+          </a:prstGeom>
+          <a:noFill/>
+        </p:spPr>
+        <p:txBody>
+          <a:bodyPr wrap="square" rtlCol="0">
+            <a:spAutoFit/>
+          </a:bodyPr>
+          <a:lstStyle/>
+          <a:p>
+            <a:r>
+              <a:rPr lang="en-US" dirty="0" smtClean="0"/>
+              <a:t>ASCII Character </a:t>
+            </a:r>
+            <a:r>
+              <a:rPr lang="en-US" b="1" dirty="0" smtClean="0"/>
+              <a:t>2</a:t>
+            </a:r>
+            <a:endParaRPr lang="de-CH" b="1" dirty="0"/>
+          </a:p>
+        </p:txBody>
+      </p:sp>
+      <p:sp>
+        <p:nvSpPr>
+          <p:cNvPr id="17" name="TextBox 16"/>
+          <p:cNvSpPr txBox="1"/>
+          <p:nvPr/>
+        </p:nvSpPr>
+        <p:spPr>
+          <a:xfrm>
+            <a:off x="1045223" y="2938789"/>
+            <a:ext cx="1104651" cy="646331"/>
+          </a:xfrm>
+          <a:prstGeom prst="rect">
+            <a:avLst/>
+          </a:prstGeom>
+          <a:noFill/>
+        </p:spPr>
+        <p:txBody>
+          <a:bodyPr wrap="square" rtlCol="0">
+            <a:spAutoFit/>
+          </a:bodyPr>
+          <a:lstStyle/>
+          <a:p>
+            <a:r>
+              <a:rPr lang="en-US" dirty="0" smtClean="0"/>
+              <a:t>Message length </a:t>
+            </a:r>
+            <a:endParaRPr lang="de-CH" dirty="0"/>
+          </a:p>
+        </p:txBody>
+      </p:sp>
+      <p:sp>
+        <p:nvSpPr>
+          <p:cNvPr id="21" name="Rounded Rectangle 20"/>
+          <p:cNvSpPr/>
+          <p:nvPr/>
+        </p:nvSpPr>
+        <p:spPr>
+          <a:xfrm>
+            <a:off x="846151" y="2878372"/>
+            <a:ext cx="1502795" cy="771277"/>
+          </a:xfrm>
+          <a:prstGeom prst="roundRect">
+            <a:avLst/>
+          </a:prstGeom>
+          <a:solidFill>
+            <a:srgbClr val="ED7D31">
+              <a:alpha val="10980"/>
+            </a:srgbClr>
+          </a:solidFill>
+        </p:spPr>
+        <p:style>
+          <a:lnRef idx="2">
+            <a:schemeClr val="accent2">
+              <a:shade val="50000"/>
+            </a:schemeClr>
+          </a:lnRef>
+          <a:fillRef idx="1">
+            <a:schemeClr val="accent2"/>
+          </a:fillRef>
+          <a:effectRef idx="0">
+            <a:schemeClr val="accent2"/>
+          </a:effectRef>
+          <a:fontRef idx="minor">
+            <a:schemeClr val="lt1"/>
+          </a:fontRef>
+        </p:style>
+        <p:txBody>
+          <a:bodyPr rtlCol="0" anchor="ctr"/>
+          <a:lstStyle/>
+          <a:p>
+            <a:pPr algn="ctr"/>
+            <a:endParaRPr lang="de-CH"/>
+          </a:p>
+        </p:txBody>
+      </p:sp>
+      <p:sp>
+        <p:nvSpPr>
+          <p:cNvPr id="22" name="Left Brace 21"/>
+          <p:cNvSpPr/>
+          <p:nvPr/>
+        </p:nvSpPr>
+        <p:spPr>
+          <a:xfrm rot="5400000">
+            <a:off x="2945294" y="1851185"/>
+            <a:ext cx="310101" cy="1502797"/>
+          </a:xfrm>
+          <a:prstGeom prst="leftBrace">
+            <a:avLst>
+              <a:gd name="adj1" fmla="val 69872"/>
+              <a:gd name="adj2" fmla="val 51058"/>
+            </a:avLst>
+          </a:prstGeom>
+          <a:ln w="28575"/>
+        </p:spPr>
+        <p:style>
+          <a:lnRef idx="1">
+            <a:schemeClr val="accent1"/>
+          </a:lnRef>
+          <a:fillRef idx="0">
+            <a:schemeClr val="accent1"/>
+          </a:fillRef>
+          <a:effectRef idx="0">
+            <a:schemeClr val="accent1"/>
+          </a:effectRef>
+          <a:fontRef idx="minor">
+            <a:schemeClr val="tx1"/>
+          </a:fontRef>
+        </p:style>
+        <p:txBody>
+          <a:bodyPr rtlCol="0" anchor="ctr"/>
+          <a:lstStyle/>
+          <a:p>
+            <a:pPr algn="ctr"/>
+            <a:endParaRPr lang="de-CH"/>
+          </a:p>
+        </p:txBody>
+      </p:sp>
+    </p:spTree>
+    <p:extLst>
+      <p:ext uri="{BB962C8B-B14F-4D97-AF65-F5344CB8AC3E}">
+        <p14:creationId xmlns:p14="http://schemas.microsoft.com/office/powerpoint/2010/main" val="4220233489"/>
+      </p:ext>
+    </p:extLst>
+  </p:cSld>
+  <p:clrMapOvr>
+    <a:masterClrMapping/>
+  </p:clrMapOvr>
+  <p:timing>
+    <p:tnLst>
+      <p:par>
+        <p:cTn id="1" dur="indefinite" restart="never" nodeType="tmRoot"/>
+      </p:par>
+    </p:tnLst>
+  </p:timing>
+</p:sld>
+</file>
+
+<file path=ppt/slides/slide6.xml><?xml version="1.0" encoding="utf-8"?>
+<p:sld xmlns:a="http://schemas.openxmlformats.org/drawingml/2006/main" xmlns:r="http://schemas.openxmlformats.org/officeDocument/2006/relationships" xmlns:p="http://schemas.openxmlformats.org/presentationml/2006/main">
+  <p:cSld>
+    <p:spTree>
+      <p:nvGrpSpPr>
+        <p:cNvPr id="1" name=""/>
+        <p:cNvGrpSpPr/>
+        <p:nvPr/>
+      </p:nvGrpSpPr>
+      <p:grpSpPr>
+        <a:xfrm>
+          <a:off x="0" y="0"/>
+          <a:ext cx="0" cy="0"/>
+          <a:chOff x="0" y="0"/>
+          <a:chExt cx="0" cy="0"/>
+        </a:xfrm>
+      </p:grpSpPr>
+      <p:sp>
+        <p:nvSpPr>
+          <p:cNvPr id="2" name="Title 1"/>
+          <p:cNvSpPr>
+            <a:spLocks noGrp="1"/>
+          </p:cNvSpPr>
+          <p:nvPr>
+            <p:ph type="title"/>
+          </p:nvPr>
+        </p:nvSpPr>
+        <p:spPr>
+          <a:xfrm>
+            <a:off x="278295" y="198345"/>
+            <a:ext cx="11441927" cy="1325563"/>
+          </a:xfrm>
+        </p:spPr>
+        <p:txBody>
+          <a:bodyPr/>
+          <a:lstStyle/>
+          <a:p>
+            <a:r>
+              <a:rPr lang="en-US" dirty="0" err="1" smtClean="0"/>
+              <a:t>Paketformat</a:t>
+            </a:r>
+            <a:r>
+              <a:rPr lang="en-US" dirty="0" smtClean="0"/>
+              <a:t> – Synchronization &amp; </a:t>
+            </a:r>
+            <a:r>
+              <a:rPr lang="en-US" dirty="0" err="1" smtClean="0"/>
+              <a:t>Fehlerkorrektur</a:t>
+            </a:r>
+            <a:endParaRPr lang="de-CH" dirty="0"/>
+          </a:p>
+        </p:txBody>
+      </p:sp>
+      <p:sp>
+        <p:nvSpPr>
+          <p:cNvPr id="4" name="Rounded Rectangle 3"/>
+          <p:cNvSpPr/>
+          <p:nvPr/>
+        </p:nvSpPr>
+        <p:spPr>
+          <a:xfrm>
+            <a:off x="1466350" y="3538331"/>
+            <a:ext cx="9347424" cy="453224"/>
+          </a:xfrm>
+          <a:prstGeom prst="roundRect">
+            <a:avLst/>
+          </a:prstGeom>
+          <a:noFill/>
+          <a:ln w="38100">
+            <a:solidFill>
+              <a:schemeClr val="tx1"/>
+            </a:solidFill>
+          </a:ln>
+        </p:spPr>
+        <p:style>
+          <a:lnRef idx="2">
+            <a:schemeClr val="accent1">
+              <a:shade val="50000"/>
+            </a:schemeClr>
+          </a:lnRef>
+          <a:fillRef idx="1">
+            <a:schemeClr val="accent1"/>
+          </a:fillRef>
+          <a:effectRef idx="0">
+            <a:schemeClr val="accent1"/>
+          </a:effectRef>
+          <a:fontRef idx="minor">
+            <a:schemeClr val="lt1"/>
+          </a:fontRef>
+        </p:style>
+        <p:txBody>
+          <a:bodyPr rtlCol="0" anchor="ctr"/>
+          <a:lstStyle/>
+          <a:p>
+            <a:pPr algn="ctr"/>
+            <a:endParaRPr lang="de-CH"/>
+          </a:p>
+        </p:txBody>
+      </p:sp>
+      <p:sp>
+        <p:nvSpPr>
+          <p:cNvPr id="5" name="Rounded Rectangle 4"/>
+          <p:cNvSpPr/>
+          <p:nvPr/>
+        </p:nvSpPr>
+        <p:spPr>
+          <a:xfrm>
+            <a:off x="1466350" y="3538331"/>
+            <a:ext cx="1046261" cy="453224"/>
+          </a:xfrm>
+          <a:prstGeom prst="roundRect">
+            <a:avLst/>
+          </a:prstGeom>
+          <a:solidFill>
+            <a:srgbClr val="ED7D31">
+              <a:alpha val="43137"/>
+            </a:srgbClr>
+          </a:solidFill>
+          <a:ln>
+            <a:noFill/>
+          </a:ln>
+        </p:spPr>
+        <p:style>
+          <a:lnRef idx="2">
+            <a:schemeClr val="accent2">
+              <a:shade val="50000"/>
+            </a:schemeClr>
+          </a:lnRef>
+          <a:fillRef idx="1">
+            <a:schemeClr val="accent2"/>
+          </a:fillRef>
+          <a:effectRef idx="0">
+            <a:schemeClr val="accent2"/>
+          </a:effectRef>
+          <a:fontRef idx="minor">
+            <a:schemeClr val="lt1"/>
+          </a:fontRef>
+        </p:style>
+        <p:txBody>
+          <a:bodyPr rtlCol="0" anchor="ctr"/>
+          <a:lstStyle/>
+          <a:p>
+            <a:pPr algn="ctr"/>
+            <a:endParaRPr lang="de-CH"/>
+          </a:p>
+        </p:txBody>
+      </p:sp>
+      <p:sp>
+        <p:nvSpPr>
+          <p:cNvPr id="6" name="Rounded Rectangle 5"/>
+          <p:cNvSpPr/>
+          <p:nvPr/>
+        </p:nvSpPr>
+        <p:spPr>
+          <a:xfrm>
+            <a:off x="803080" y="3538331"/>
+            <a:ext cx="585462" cy="453224"/>
+          </a:xfrm>
+          <a:prstGeom prst="roundRect">
+            <a:avLst/>
+          </a:prstGeom>
+          <a:solidFill>
+            <a:schemeClr val="accent6">
+              <a:lumMod val="60000"/>
+              <a:lumOff val="40000"/>
+            </a:schemeClr>
+          </a:solidFill>
+        </p:spPr>
+        <p:style>
+          <a:lnRef idx="2">
+            <a:schemeClr val="accent6">
+              <a:shade val="50000"/>
+            </a:schemeClr>
+          </a:lnRef>
+          <a:fillRef idx="1">
+            <a:schemeClr val="accent6"/>
+          </a:fillRef>
+          <a:effectRef idx="0">
+            <a:schemeClr val="accent6"/>
+          </a:effectRef>
+          <a:fontRef idx="minor">
+            <a:schemeClr val="lt1"/>
+          </a:fontRef>
+        </p:style>
+        <p:txBody>
+          <a:bodyPr rtlCol="0" anchor="ctr"/>
+          <a:lstStyle/>
+          <a:p>
+            <a:pPr algn="ctr"/>
+            <a:endParaRPr lang="de-CH"/>
+          </a:p>
+        </p:txBody>
+      </p:sp>
+      <p:sp>
+        <p:nvSpPr>
+          <p:cNvPr id="7" name="TextBox 6"/>
+          <p:cNvSpPr txBox="1"/>
+          <p:nvPr/>
+        </p:nvSpPr>
+        <p:spPr>
+          <a:xfrm>
+            <a:off x="111318" y="4866592"/>
+            <a:ext cx="2735248" cy="830997"/>
+          </a:xfrm>
+          <a:prstGeom prst="rect">
+            <a:avLst/>
+          </a:prstGeom>
+          <a:noFill/>
+        </p:spPr>
+        <p:txBody>
+          <a:bodyPr wrap="square" rtlCol="0">
+            <a:spAutoFit/>
+          </a:bodyPr>
+          <a:lstStyle/>
+          <a:p>
+            <a:r>
+              <a:rPr lang="en-US" sz="2400" dirty="0" smtClean="0"/>
+              <a:t>Barker Code (7 Bit)</a:t>
+            </a:r>
+            <a:r>
+              <a:rPr lang="de-CH" sz="2400" dirty="0" smtClean="0"/>
+              <a:t> zur Synchronisation</a:t>
+            </a:r>
+            <a:endParaRPr lang="en-US" sz="2400" dirty="0" smtClean="0"/>
+          </a:p>
+        </p:txBody>
+      </p:sp>
+      <p:cxnSp>
+        <p:nvCxnSpPr>
+          <p:cNvPr id="9" name="Straight Arrow Connector 8"/>
+          <p:cNvCxnSpPr/>
+          <p:nvPr/>
+        </p:nvCxnSpPr>
+        <p:spPr>
+          <a:xfrm flipV="1">
+            <a:off x="978009" y="4142629"/>
+            <a:ext cx="7952" cy="628153"/>
+          </a:xfrm>
+          <a:prstGeom prst="straightConnector1">
+            <a:avLst/>
+          </a:prstGeom>
+          <a:ln w="28575">
+            <a:tailEnd type="triangle"/>
+          </a:ln>
+        </p:spPr>
+        <p:style>
+          <a:lnRef idx="1">
+            <a:schemeClr val="accent6"/>
+          </a:lnRef>
+          <a:fillRef idx="0">
+            <a:schemeClr val="accent6"/>
+          </a:fillRef>
+          <a:effectRef idx="0">
+            <a:schemeClr val="accent6"/>
+          </a:effectRef>
+          <a:fontRef idx="minor">
+            <a:schemeClr val="tx1"/>
+          </a:fontRef>
+        </p:style>
+      </p:cxnSp>
+      <p:sp>
+        <p:nvSpPr>
+          <p:cNvPr id="10" name="Rounded Rectangle 9"/>
+          <p:cNvSpPr/>
+          <p:nvPr/>
+        </p:nvSpPr>
+        <p:spPr>
+          <a:xfrm>
+            <a:off x="1388542" y="1855302"/>
+            <a:ext cx="4439764" cy="453224"/>
+          </a:xfrm>
+          <a:prstGeom prst="roundRect">
+            <a:avLst/>
+          </a:prstGeom>
+          <a:noFill/>
+          <a:ln w="38100">
+            <a:solidFill>
+              <a:schemeClr val="tx1"/>
+            </a:solidFill>
+          </a:ln>
+        </p:spPr>
+        <p:style>
+          <a:lnRef idx="2">
+            <a:schemeClr val="accent1">
+              <a:shade val="50000"/>
+            </a:schemeClr>
+          </a:lnRef>
+          <a:fillRef idx="1">
+            <a:schemeClr val="accent1"/>
+          </a:fillRef>
+          <a:effectRef idx="0">
+            <a:schemeClr val="accent1"/>
+          </a:effectRef>
+          <a:fontRef idx="minor">
+            <a:schemeClr val="lt1"/>
+          </a:fontRef>
+        </p:style>
+        <p:txBody>
+          <a:bodyPr rtlCol="0" anchor="ctr"/>
+          <a:lstStyle/>
+          <a:p>
+            <a:pPr algn="ctr"/>
+            <a:endParaRPr lang="de-CH"/>
+          </a:p>
+        </p:txBody>
+      </p:sp>
+      <p:sp>
+        <p:nvSpPr>
+          <p:cNvPr id="11" name="Rounded Rectangle 10"/>
+          <p:cNvSpPr/>
+          <p:nvPr/>
+        </p:nvSpPr>
+        <p:spPr>
+          <a:xfrm>
+            <a:off x="1388542" y="1855302"/>
+            <a:ext cx="545328" cy="453224"/>
+          </a:xfrm>
+          <a:prstGeom prst="roundRect">
+            <a:avLst/>
+          </a:prstGeom>
+          <a:solidFill>
+            <a:srgbClr val="ED7D31">
+              <a:alpha val="43137"/>
+            </a:srgbClr>
+          </a:solidFill>
+          <a:ln>
+            <a:noFill/>
+          </a:ln>
+        </p:spPr>
+        <p:style>
+          <a:lnRef idx="2">
+            <a:schemeClr val="accent2">
+              <a:shade val="50000"/>
+            </a:schemeClr>
+          </a:lnRef>
+          <a:fillRef idx="1">
+            <a:schemeClr val="accent2"/>
+          </a:fillRef>
+          <a:effectRef idx="0">
+            <a:schemeClr val="accent2"/>
+          </a:effectRef>
+          <a:fontRef idx="minor">
+            <a:schemeClr val="lt1"/>
+          </a:fontRef>
+        </p:style>
+        <p:txBody>
+          <a:bodyPr rtlCol="0" anchor="ctr"/>
+          <a:lstStyle/>
+          <a:p>
+            <a:pPr algn="ctr"/>
+            <a:endParaRPr lang="de-CH"/>
+          </a:p>
+        </p:txBody>
+      </p:sp>
+      <p:sp>
+        <p:nvSpPr>
+          <p:cNvPr id="12" name="TextBox 11"/>
+          <p:cNvSpPr txBox="1"/>
+          <p:nvPr/>
+        </p:nvSpPr>
+        <p:spPr>
+          <a:xfrm>
+            <a:off x="5937529" y="1774129"/>
+            <a:ext cx="2801344" cy="461665"/>
+          </a:xfrm>
+          <a:prstGeom prst="rect">
+            <a:avLst/>
+          </a:prstGeom>
+          <a:noFill/>
+        </p:spPr>
+        <p:txBody>
+          <a:bodyPr wrap="none" rtlCol="0">
+            <a:spAutoFit/>
+          </a:bodyPr>
+          <a:lstStyle/>
+          <a:p>
+            <a:r>
+              <a:rPr lang="en-US" sz="2400" dirty="0" err="1" smtClean="0"/>
+              <a:t>Ursprüngliches</a:t>
+            </a:r>
+            <a:r>
+              <a:rPr lang="en-US" sz="2400" dirty="0" smtClean="0"/>
+              <a:t> </a:t>
+            </a:r>
+            <a:r>
+              <a:rPr lang="en-US" sz="2400" dirty="0" err="1" smtClean="0"/>
+              <a:t>Paket</a:t>
+            </a:r>
+            <a:endParaRPr lang="de-CH" sz="2400" dirty="0"/>
+          </a:p>
+        </p:txBody>
+      </p:sp>
+      <p:sp>
+        <p:nvSpPr>
+          <p:cNvPr id="13" name="TextBox 12"/>
+          <p:cNvSpPr txBox="1"/>
+          <p:nvPr/>
+        </p:nvSpPr>
+        <p:spPr>
+          <a:xfrm>
+            <a:off x="3524605" y="4951488"/>
+            <a:ext cx="7829195" cy="830997"/>
+          </a:xfrm>
+          <a:prstGeom prst="rect">
+            <a:avLst/>
+          </a:prstGeom>
+          <a:noFill/>
+        </p:spPr>
+        <p:txBody>
+          <a:bodyPr wrap="none" rtlCol="0">
+            <a:spAutoFit/>
+          </a:bodyPr>
+          <a:lstStyle/>
+          <a:p>
+            <a:r>
+              <a:rPr lang="en-US" sz="2400" dirty="0" smtClean="0"/>
+              <a:t>Hamming Codes </a:t>
+            </a:r>
+            <a:r>
+              <a:rPr lang="en-US" sz="2400" dirty="0" err="1" smtClean="0"/>
+              <a:t>encoden</a:t>
+            </a:r>
+            <a:r>
+              <a:rPr lang="en-US" sz="2400" dirty="0" smtClean="0"/>
+              <a:t> 4-Bit </a:t>
+            </a:r>
+            <a:r>
+              <a:rPr lang="en-US" sz="2400" dirty="0" err="1" smtClean="0"/>
+              <a:t>Segmente</a:t>
+            </a:r>
+            <a:r>
+              <a:rPr lang="en-US" sz="2400" dirty="0" smtClean="0"/>
+              <a:t> </a:t>
+            </a:r>
+            <a:r>
+              <a:rPr lang="en-US" sz="2400" dirty="0" err="1" smtClean="0"/>
+              <a:t>zur</a:t>
+            </a:r>
+            <a:r>
+              <a:rPr lang="en-US" sz="2400" dirty="0" smtClean="0"/>
+              <a:t> </a:t>
+            </a:r>
+            <a:r>
+              <a:rPr lang="en-US" sz="2400" dirty="0" err="1" smtClean="0"/>
+              <a:t>Fehlerkorrektur</a:t>
+            </a:r>
+            <a:endParaRPr lang="en-US" sz="2400" dirty="0" smtClean="0"/>
+          </a:p>
+          <a:p>
+            <a:pPr algn="ctr"/>
+            <a:r>
+              <a:rPr lang="en-US" sz="2400" dirty="0" err="1" smtClean="0"/>
+              <a:t>Wir</a:t>
+            </a:r>
+            <a:r>
+              <a:rPr lang="en-US" sz="2400" dirty="0" smtClean="0"/>
+              <a:t> </a:t>
+            </a:r>
+            <a:r>
+              <a:rPr lang="en-US" sz="2400" dirty="0" err="1" smtClean="0"/>
+              <a:t>benutzen</a:t>
+            </a:r>
+            <a:r>
+              <a:rPr lang="en-US" sz="2400" dirty="0" smtClean="0"/>
+              <a:t> die </a:t>
+            </a:r>
+            <a:r>
+              <a:rPr lang="en-US" sz="2400" i="1" dirty="0" err="1" smtClean="0"/>
+              <a:t>fecmagic</a:t>
+            </a:r>
+            <a:r>
+              <a:rPr lang="en-US" sz="2400" dirty="0" smtClean="0"/>
+              <a:t> library</a:t>
+            </a:r>
+          </a:p>
+        </p:txBody>
+      </p:sp>
+      <p:cxnSp>
+        <p:nvCxnSpPr>
+          <p:cNvPr id="14" name="Straight Arrow Connector 13"/>
+          <p:cNvCxnSpPr/>
+          <p:nvPr/>
+        </p:nvCxnSpPr>
+        <p:spPr>
+          <a:xfrm flipH="1" flipV="1">
+            <a:off x="2242269" y="4142629"/>
+            <a:ext cx="3379303" cy="723963"/>
+          </a:xfrm>
+          <a:prstGeom prst="straightConnector1">
+            <a:avLst/>
+          </a:prstGeom>
+          <a:ln w="28575">
+            <a:tailEnd type="triangle"/>
+          </a:ln>
+        </p:spPr>
+        <p:style>
+          <a:lnRef idx="2">
+            <a:schemeClr val="accent2"/>
+          </a:lnRef>
+          <a:fillRef idx="0">
+            <a:schemeClr val="accent2"/>
+          </a:fillRef>
+          <a:effectRef idx="1">
+            <a:schemeClr val="accent2"/>
+          </a:effectRef>
+          <a:fontRef idx="minor">
+            <a:schemeClr val="tx1"/>
+          </a:fontRef>
+        </p:style>
+      </p:cxnSp>
+      <p:cxnSp>
+        <p:nvCxnSpPr>
+          <p:cNvPr id="18" name="Straight Arrow Connector 17"/>
+          <p:cNvCxnSpPr/>
+          <p:nvPr/>
+        </p:nvCxnSpPr>
+        <p:spPr>
+          <a:xfrm flipH="1" flipV="1">
+            <a:off x="6585006" y="4190534"/>
+            <a:ext cx="6625" cy="676058"/>
+          </a:xfrm>
+          <a:prstGeom prst="straightConnector1">
+            <a:avLst/>
+          </a:prstGeom>
+          <a:ln w="28575">
+            <a:tailEnd type="triangle"/>
+          </a:ln>
+        </p:spPr>
+        <p:style>
+          <a:lnRef idx="1">
+            <a:schemeClr val="dk1"/>
+          </a:lnRef>
+          <a:fillRef idx="0">
+            <a:schemeClr val="dk1"/>
+          </a:fillRef>
+          <a:effectRef idx="0">
+            <a:schemeClr val="dk1"/>
+          </a:effectRef>
+          <a:fontRef idx="minor">
+            <a:schemeClr val="tx1"/>
+          </a:fontRef>
+        </p:style>
+      </p:cxnSp>
+    </p:spTree>
+    <p:extLst>
+      <p:ext uri="{BB962C8B-B14F-4D97-AF65-F5344CB8AC3E}">
+        <p14:creationId xmlns:p14="http://schemas.microsoft.com/office/powerpoint/2010/main" val="2494314818"/>
       </p:ext>
     </p:extLst>
   </p:cSld>

--- a/presentation_gruppe2+3.pptx
+++ b/presentation_gruppe2+3.pptx
@@ -5827,7 +5827,7 @@
             </a:r>
             <a:r>
               <a:rPr lang="en-US" dirty="0" err="1" smtClean="0"/>
-              <a:t>langsame</a:t>
+              <a:t>langsamer</a:t>
             </a:r>
             <a:r>
               <a:rPr lang="en-US" dirty="0" smtClean="0"/>
@@ -5864,13 +5864,21 @@
             </a:r>
             <a:r>
               <a:rPr lang="en-US" dirty="0" smtClean="0"/>
-              <a:t>’’ BFSK und zero-crossing detection</a:t>
+              <a:t>’’ BFSK und </a:t>
+            </a:r>
+            <a:r>
+              <a:rPr lang="en-US" smtClean="0"/>
+              <a:t>zero-crossing </a:t>
+            </a:r>
+            <a:r>
+              <a:rPr lang="en-US" smtClean="0"/>
+              <a:t>detection </a:t>
             </a:r>
             <a:br>
-              <a:rPr lang="en-US" dirty="0" smtClean="0"/>
+              <a:rPr lang="en-US" smtClean="0"/>
             </a:br>
             <a:r>
-              <a:rPr lang="en-US" dirty="0" smtClean="0"/>
+              <a:rPr lang="en-US" smtClean="0"/>
               <a:t>Hardware-</a:t>
             </a:r>
             <a:r>
@@ -5879,7 +5887,11 @@
             </a:r>
             <a:r>
               <a:rPr lang="en-US" dirty="0" smtClean="0"/>
-              <a:t> der </a:t>
+              <a:t> </a:t>
+            </a:r>
+            <a:r>
+              <a:rPr lang="en-US" dirty="0" smtClean="0"/>
+              <a:t>der </a:t>
             </a:r>
             <a:r>
               <a:rPr lang="en-US" dirty="0" err="1" smtClean="0"/>
